--- a/maven/Cours Maven.pptx
+++ b/maven/Cours Maven.pptx
@@ -6294,7 +6294,7 @@
             </a:pPr>
             <a:r>
               <a:rPr lang="fr"/>
-              <a:t>Done</a:t>
+              <a:t>Ajouter $M2_HOME / Modifier $PATH</a:t>
             </a:r>
           </a:p>
         </p:txBody>
